--- a/Scarlet_Desenvolvedor_CV.pptx
+++ b/Scarlet_Desenvolvedor_CV.pptx
@@ -14402,14 +14402,43 @@
               <a:buNone/>
             </a:pPr>
             <a:r>
-              <a:rPr lang="pt-BR" sz="1050" dirty="0">
+              <a:rPr lang="pt-BR" sz="1000" dirty="0">
                 <a:solidFill>
                   <a:srgbClr val="7F7F7F"/>
                 </a:solidFill>
                 <a:latin typeface="Arial" panose="020B0604020202020204" pitchFamily="34" charset="0"/>
                 <a:cs typeface="Arial" panose="020B0604020202020204" pitchFamily="34" charset="0"/>
               </a:rPr>
-              <a:t>Estratégica, tracei metas para forjar e me tornar o que sou hoje profissionalmente, onde com a ajuda de pessoas, conquistei minha formação, e pós graduação. Tive a oportunidade de poder viajar por alguns países e conquistar uma segunda língua. Hoje tenho ciência dos meus pontos fortes, que são proatividade, liderança, comunicação e trabalho em equipe, e estou ansiosa para poder passar o que aprendi e aprender coisas novas. </a:t>
+              <a:t>Estratégica, me dediquei a traçar metas e me tornar a profissional que sou hoje. Com a ajuda de pessoas, consegui conquistar minha formação, e pós graduação. Tive a oportunidade de poder viajar por alguns países e conquistar uma segunda língua. Hoje tenho ciência dos meus pontos fortes, que são proatividade, liderança, comunicação e trabalho em equipe. </a:t>
+            </a:r>
+          </a:p>
+          <a:p>
+            <a:pPr marL="67945" marR="407035" lvl="0" indent="0" algn="just" rtl="0">
+              <a:lnSpc>
+                <a:spcPct val="85000"/>
+              </a:lnSpc>
+              <a:spcBef>
+                <a:spcPts val="30"/>
+              </a:spcBef>
+              <a:spcAft>
+                <a:spcPts val="0"/>
+              </a:spcAft>
+              <a:buClr>
+                <a:srgbClr val="000000"/>
+              </a:buClr>
+              <a:buSzPts val="1200"/>
+              <a:buFont typeface="Arial"/>
+              <a:buNone/>
+            </a:pPr>
+            <a:r>
+              <a:rPr lang="pt-BR" sz="1000" dirty="0">
+                <a:solidFill>
+                  <a:srgbClr val="7F7F7F"/>
+                </a:solidFill>
+                <a:latin typeface="Arial" panose="020B0604020202020204" pitchFamily="34" charset="0"/>
+                <a:cs typeface="Arial" panose="020B0604020202020204" pitchFamily="34" charset="0"/>
+              </a:rPr>
+              <a:t>Estou ansiosa para poder passar o que aprendi e aprender coisas novas. </a:t>
             </a:r>
           </a:p>
         </p:txBody>

--- a/Scarlet_Desenvolvedor_CV.pptx
+++ b/Scarlet_Desenvolvedor_CV.pptx
@@ -13665,7 +13665,7 @@
         </p:blipFill>
         <p:spPr>
           <a:xfrm>
-            <a:off x="3750979" y="4285494"/>
+            <a:off x="3750979" y="4024229"/>
             <a:ext cx="139700" cy="200660"/>
           </a:xfrm>
           <a:prstGeom prst="rect">
@@ -13719,7 +13719,7 @@
         </p:blipFill>
         <p:spPr>
           <a:xfrm>
-            <a:off x="3910659" y="8527688"/>
+            <a:off x="3910659" y="8762828"/>
             <a:ext cx="323850" cy="209550"/>
           </a:xfrm>
           <a:prstGeom prst="rect">
@@ -13746,7 +13746,7 @@
         </p:blipFill>
         <p:spPr>
           <a:xfrm>
-            <a:off x="287624" y="6409215"/>
+            <a:off x="287624" y="6396515"/>
             <a:ext cx="200025" cy="238125"/>
           </a:xfrm>
           <a:prstGeom prst="rect">
@@ -13773,7 +13773,7 @@
         </p:blipFill>
         <p:spPr>
           <a:xfrm>
-            <a:off x="266729" y="3777933"/>
+            <a:off x="266729" y="4221943"/>
             <a:ext cx="256540" cy="295275"/>
           </a:xfrm>
           <a:prstGeom prst="rect">
@@ -13800,7 +13800,7 @@
         </p:blipFill>
         <p:spPr>
           <a:xfrm>
-            <a:off x="3820207" y="6786676"/>
+            <a:off x="3820207" y="6333808"/>
             <a:ext cx="228600" cy="209550"/>
           </a:xfrm>
           <a:prstGeom prst="rect">
@@ -14169,7 +14169,7 @@
         </p:nvSpPr>
         <p:spPr>
           <a:xfrm>
-            <a:off x="2470132" y="1588812"/>
+            <a:off x="2342844" y="1595152"/>
             <a:ext cx="4015004" cy="276959"/>
           </a:xfrm>
           <a:prstGeom prst="rect">
@@ -14204,25 +14204,25 @@
               <a:buNone/>
             </a:pPr>
             <a:r>
-              <a:rPr lang="pt-BR" sz="1200" b="0" i="0" u="none" strike="noStrike" cap="none" dirty="0">
+              <a:rPr lang="pt-PT" sz="1200" dirty="0">
                 <a:solidFill>
                   <a:schemeClr val="dk1"/>
                 </a:solidFill>
-                <a:latin typeface="Arial"/>
-                <a:ea typeface="Arial"/>
-                <a:cs typeface="Arial"/>
-                <a:sym typeface="Arial"/>
               </a:rPr>
-              <a:t>linkedin.com/in/scarlet-duarte-ara%C3%BAjo-61160852/</a:t>
+              <a:t>linkedin.com/in/</a:t>
             </a:r>
-            <a:endParaRPr sz="1200" b="0" i="0" u="none" strike="noStrike" cap="none" dirty="0">
+            <a:r>
+              <a:rPr lang="pt-PT" sz="1200" dirty="0" err="1">
+                <a:solidFill>
+                  <a:schemeClr val="dk1"/>
+                </a:solidFill>
+              </a:rPr>
+              <a:t>scarletaraujo</a:t>
+            </a:r>
+            <a:endParaRPr sz="1200" dirty="0">
               <a:solidFill>
                 <a:schemeClr val="dk1"/>
               </a:solidFill>
-              <a:latin typeface="Arial"/>
-              <a:ea typeface="Arial"/>
-              <a:cs typeface="Arial"/>
-              <a:sym typeface="Arial"/>
             </a:endParaRPr>
           </a:p>
         </p:txBody>
@@ -14367,8 +14367,8 @@
         </p:nvSpPr>
         <p:spPr>
           <a:xfrm>
-            <a:off x="194738" y="2296011"/>
-            <a:ext cx="3800210" cy="1352886"/>
+            <a:off x="88382" y="2296010"/>
+            <a:ext cx="3891945" cy="1874163"/>
           </a:xfrm>
           <a:prstGeom prst="rect">
             <a:avLst/>
@@ -14402,44 +14402,136 @@
               <a:buNone/>
             </a:pPr>
             <a:r>
-              <a:rPr lang="pt-BR" sz="1000" dirty="0">
+              <a:rPr lang="pt-PT" sz="1050" dirty="0">
                 <a:solidFill>
                   <a:srgbClr val="7F7F7F"/>
                 </a:solidFill>
-                <a:latin typeface="Arial" panose="020B0604020202020204" pitchFamily="34" charset="0"/>
-                <a:cs typeface="Arial" panose="020B0604020202020204" pitchFamily="34" charset="0"/>
               </a:rPr>
-              <a:t>Estratégica, me dediquei a traçar metas e me tornar a profissional que sou hoje. Com a ajuda de pessoas, consegui conquistar minha formação, e pós graduação. Tive a oportunidade de poder viajar por alguns países e conquistar uma segunda língua. Hoje tenho ciência dos meus pontos fortes, que são proatividade, liderança, comunicação e trabalho em equipe. </a:t>
+              <a:t>Profissional formada em Administração de Empresas, Pós-Graduada em Gestão de Projetos e Certificada em Desenvolvimento Web Java Fullstack n</a:t>
             </a:r>
-          </a:p>
-          <a:p>
-            <a:pPr marL="67945" marR="407035" lvl="0" indent="0" algn="just" rtl="0">
-              <a:lnSpc>
-                <a:spcPct val="85000"/>
-              </a:lnSpc>
-              <a:spcBef>
-                <a:spcPts val="30"/>
-              </a:spcBef>
-              <a:spcAft>
-                <a:spcPts val="0"/>
-              </a:spcAft>
-              <a:buClr>
-                <a:srgbClr val="000000"/>
-              </a:buClr>
-              <a:buSzPts val="1200"/>
-              <a:buFont typeface="Arial"/>
-              <a:buNone/>
-            </a:pPr>
             <a:r>
-              <a:rPr lang="pt-BR" sz="1000" dirty="0">
+              <a:rPr lang="pt-BR" sz="1050" dirty="0" err="1">
                 <a:solidFill>
                   <a:srgbClr val="7F7F7F"/>
                 </a:solidFill>
-                <a:latin typeface="Arial" panose="020B0604020202020204" pitchFamily="34" charset="0"/>
-                <a:cs typeface="Arial" panose="020B0604020202020204" pitchFamily="34" charset="0"/>
               </a:rPr>
-              <a:t>Estou ansiosa para poder passar o que aprendi e aprender coisas novas. </a:t>
+              <a:t>ível</a:t>
             </a:r>
+            <a:r>
+              <a:rPr lang="pt-BR" sz="1050" dirty="0">
+                <a:solidFill>
+                  <a:srgbClr val="7F7F7F"/>
+                </a:solidFill>
+              </a:rPr>
+              <a:t> </a:t>
+            </a:r>
+            <a:r>
+              <a:rPr lang="pt-PT" sz="1050" dirty="0" err="1">
+                <a:solidFill>
+                  <a:srgbClr val="7F7F7F"/>
+                </a:solidFill>
+              </a:rPr>
+              <a:t>Junior</a:t>
+            </a:r>
+            <a:r>
+              <a:rPr lang="pt-PT" sz="1050" dirty="0">
+                <a:solidFill>
+                  <a:srgbClr val="7F7F7F"/>
+                </a:solidFill>
+              </a:rPr>
+              <a:t>. Possuo inglês avançado e espanhol básico.</a:t>
+            </a:r>
+            <a:br>
+              <a:rPr lang="pt-PT" sz="1050" dirty="0">
+                <a:solidFill>
+                  <a:srgbClr val="7F7F7F"/>
+                </a:solidFill>
+              </a:rPr>
+            </a:br>
+            <a:r>
+              <a:rPr lang="pt-PT" sz="1050" dirty="0">
+                <a:solidFill>
+                  <a:srgbClr val="7F7F7F"/>
+                </a:solidFill>
+              </a:rPr>
+              <a:t>Nos últimos 8 anos, trabalhei em uma das maiores e melhores redes hoteleiras do mundo como Supervisora de Restaurantes, Hostess e Auxiliar de Garçom no Brasil e em Dubai. </a:t>
+            </a:r>
+            <a:br>
+              <a:rPr lang="pt-PT" sz="1050" dirty="0">
+                <a:solidFill>
+                  <a:srgbClr val="7F7F7F"/>
+                </a:solidFill>
+              </a:rPr>
+            </a:br>
+            <a:r>
+              <a:rPr lang="pt-PT" sz="1050" dirty="0">
+                <a:solidFill>
+                  <a:srgbClr val="7F7F7F"/>
+                </a:solidFill>
+              </a:rPr>
+              <a:t>Em 2021 decidi </a:t>
+            </a:r>
+            <a:r>
+              <a:rPr lang="pt-PT" sz="1050" dirty="0" err="1">
+                <a:solidFill>
+                  <a:srgbClr val="7F7F7F"/>
+                </a:solidFill>
+              </a:rPr>
+              <a:t>transicionar</a:t>
+            </a:r>
+            <a:r>
+              <a:rPr lang="pt-PT" sz="1050" dirty="0">
+                <a:solidFill>
+                  <a:srgbClr val="7F7F7F"/>
+                </a:solidFill>
+              </a:rPr>
+              <a:t> para a área de tecnologia, participei do Programa de Formação em Programação da </a:t>
+            </a:r>
+            <a:r>
+              <a:rPr lang="pt-PT" sz="1050" dirty="0" err="1">
+                <a:solidFill>
+                  <a:srgbClr val="7F7F7F"/>
+                </a:solidFill>
+              </a:rPr>
+              <a:t>Generation</a:t>
+            </a:r>
+            <a:r>
+              <a:rPr lang="pt-PT" sz="1050" dirty="0">
+                <a:solidFill>
+                  <a:srgbClr val="7F7F7F"/>
+                </a:solidFill>
+              </a:rPr>
+              <a:t> Brasil e atualmente busco uma oportunidade no mercado como Desenvolvedora </a:t>
+            </a:r>
+            <a:r>
+              <a:rPr lang="pt-PT" sz="1050" dirty="0" err="1">
+                <a:solidFill>
+                  <a:srgbClr val="7F7F7F"/>
+                </a:solidFill>
+              </a:rPr>
+              <a:t>Junior</a:t>
+            </a:r>
+            <a:r>
+              <a:rPr lang="pt-PT" sz="1050" dirty="0">
+                <a:solidFill>
+                  <a:srgbClr val="7F7F7F"/>
+                </a:solidFill>
+              </a:rPr>
+              <a:t>.</a:t>
+            </a:r>
+            <a:r>
+              <a:rPr lang="pt-PT" sz="850" dirty="0">
+                <a:solidFill>
+                  <a:srgbClr val="7F7F7F"/>
+                </a:solidFill>
+              </a:rPr>
+              <a:t> </a:t>
+            </a:r>
+            <a:endParaRPr lang="pt-BR" sz="850" dirty="0">
+              <a:solidFill>
+                <a:srgbClr val="7F7F7F"/>
+              </a:solidFill>
+            </a:endParaRPr>
           </a:p>
         </p:txBody>
       </p:sp>
@@ -14567,7 +14659,7 @@
         </p:nvSpPr>
         <p:spPr>
           <a:xfrm>
-            <a:off x="146326" y="3783316"/>
+            <a:off x="302289" y="4214729"/>
             <a:ext cx="1946400" cy="307736"/>
           </a:xfrm>
           <a:prstGeom prst="rect">
@@ -14633,7 +14725,7 @@
         </p:nvSpPr>
         <p:spPr>
           <a:xfrm>
-            <a:off x="119256" y="4071246"/>
+            <a:off x="7057" y="4442704"/>
             <a:ext cx="4022700" cy="666600"/>
           </a:xfrm>
           <a:prstGeom prst="rect">
@@ -14650,123 +14742,65 @@
           </a:bodyPr>
           <a:lstStyle/>
           <a:p>
-            <a:pPr marL="67945" marR="0" lvl="0" indent="0" algn="just" rtl="0">
-              <a:lnSpc>
-                <a:spcPct val="141250"/>
-              </a:lnSpc>
-              <a:spcBef>
-                <a:spcPts val="0"/>
-              </a:spcBef>
-              <a:spcAft>
-                <a:spcPts val="0"/>
-              </a:spcAft>
-              <a:buClr>
-                <a:srgbClr val="000000"/>
-              </a:buClr>
-              <a:buSzPts val="1200"/>
-              <a:buFont typeface="Arial"/>
-              <a:buNone/>
+            <a:pPr marL="189865">
+              <a:spcBef>
+                <a:spcPts val="745"/>
+              </a:spcBef>
             </a:pPr>
             <a:r>
-              <a:rPr lang="pt-BR" sz="1200" b="0" i="0" u="none" strike="noStrike" cap="none" dirty="0">
+              <a:rPr lang="pt-PT" sz="1200" dirty="0">
                 <a:solidFill>
                   <a:srgbClr val="212121"/>
                 </a:solidFill>
-                <a:latin typeface="Arial"/>
-                <a:ea typeface="Arial"/>
-                <a:cs typeface="Arial"/>
-                <a:sym typeface="Arial"/>
               </a:rPr>
               <a:t>GENERATION BRASIL</a:t>
             </a:r>
-            <a:endParaRPr sz="1200" b="0" i="0" u="none" strike="noStrike" cap="none" dirty="0">
+            <a:endParaRPr lang="pt-BR" sz="1200" dirty="0">
               <a:solidFill>
-                <a:schemeClr val="dk1"/>
+                <a:srgbClr val="212121"/>
               </a:solidFill>
-              <a:latin typeface="Arial"/>
-              <a:ea typeface="Arial"/>
-              <a:cs typeface="Arial"/>
-              <a:sym typeface="Arial"/>
             </a:endParaRPr>
           </a:p>
           <a:p>
-            <a:pPr marL="67945" marR="407035" lvl="0" indent="0" algn="just" rtl="0">
-              <a:lnSpc>
-                <a:spcPct val="85000"/>
-              </a:lnSpc>
-              <a:spcBef>
-                <a:spcPts val="30"/>
-              </a:spcBef>
-              <a:spcAft>
-                <a:spcPts val="0"/>
-              </a:spcAft>
-              <a:buClr>
-                <a:srgbClr val="000000"/>
-              </a:buClr>
-              <a:buSzPts val="1200"/>
-              <a:buFont typeface="Arial"/>
-              <a:buNone/>
+            <a:pPr marL="189865">
+              <a:lnSpc>
+                <a:spcPct val="88000"/>
+              </a:lnSpc>
+              <a:spcBef>
+                <a:spcPts val="195"/>
+              </a:spcBef>
+              <a:spcAft>
+                <a:spcPts val="0"/>
+              </a:spcAft>
             </a:pPr>
             <a:r>
-              <a:rPr lang="pt-BR" sz="1200" b="0" i="0" u="none" strike="noStrike" cap="none" dirty="0">
+              <a:rPr lang="pt-PT" sz="1200" dirty="0">
                 <a:solidFill>
                   <a:srgbClr val="7F7F7F"/>
                 </a:solidFill>
-                <a:latin typeface="Arial"/>
-                <a:ea typeface="Arial"/>
-                <a:cs typeface="Arial"/>
-                <a:sym typeface="Arial"/>
               </a:rPr>
-              <a:t>Desenvolvedor Web Java Junior – Fullstack </a:t>
+              <a:t>Desenvolvedora Web Java </a:t>
             </a:r>
-            <a:endParaRPr sz="1400" b="0" i="0" u="none" strike="noStrike" cap="none" dirty="0">
-              <a:solidFill>
-                <a:srgbClr val="000000"/>
-              </a:solidFill>
-              <a:latin typeface="Arial"/>
-              <a:ea typeface="Arial"/>
-              <a:cs typeface="Arial"/>
-              <a:sym typeface="Arial"/>
-            </a:endParaRPr>
-          </a:p>
-          <a:p>
-            <a:pPr marL="67945" marR="407035" lvl="0" indent="0" algn="just" rtl="0">
-              <a:lnSpc>
-                <a:spcPct val="85000"/>
-              </a:lnSpc>
-              <a:spcBef>
-                <a:spcPts val="30"/>
-              </a:spcBef>
-              <a:spcAft>
-                <a:spcPts val="0"/>
-              </a:spcAft>
-              <a:buClr>
-                <a:srgbClr val="000000"/>
-              </a:buClr>
-              <a:buSzPts val="1200"/>
-              <a:buFont typeface="Arial"/>
-              <a:buNone/>
-            </a:pPr>
             <a:r>
-              <a:rPr lang="pt-BR" sz="1200" b="0" i="0" u="none" strike="noStrike" cap="none" dirty="0">
+              <a:rPr lang="pt-PT" sz="1200" dirty="0" err="1">
                 <a:solidFill>
                   <a:srgbClr val="7F7F7F"/>
                 </a:solidFill>
-                <a:latin typeface="Arial"/>
-                <a:ea typeface="Arial"/>
-                <a:cs typeface="Arial"/>
-                <a:sym typeface="Arial"/>
               </a:rPr>
-              <a:t>Fevereiro/ 2021 – Maio / 2021</a:t>
+              <a:t>Junior</a:t>
             </a:r>
-            <a:endParaRPr sz="1200" b="0" i="0" u="none" strike="noStrike" cap="none" dirty="0">
+            <a:r>
+              <a:rPr lang="pt-PT" sz="1200" dirty="0">
+                <a:solidFill>
+                  <a:srgbClr val="7F7F7F"/>
+                </a:solidFill>
+              </a:rPr>
+              <a:t> – Fullstack Fevereiro/ 2021 – Maio / 2021</a:t>
+            </a:r>
+            <a:endParaRPr lang="pt-BR" sz="1200" dirty="0">
               <a:solidFill>
                 <a:srgbClr val="7F7F7F"/>
               </a:solidFill>
-              <a:latin typeface="Arial"/>
-              <a:ea typeface="Arial"/>
-              <a:cs typeface="Arial"/>
-              <a:sym typeface="Arial"/>
             </a:endParaRPr>
           </a:p>
         </p:txBody>
@@ -14779,8 +14813,8 @@
         </p:nvSpPr>
         <p:spPr>
           <a:xfrm>
-            <a:off x="119258" y="4702789"/>
-            <a:ext cx="3495937" cy="666617"/>
+            <a:off x="-16689" y="5004879"/>
+            <a:ext cx="3818157" cy="673629"/>
           </a:xfrm>
           <a:prstGeom prst="rect">
             <a:avLst/>
@@ -14796,143 +14830,67 @@
           </a:bodyPr>
           <a:lstStyle/>
           <a:p>
-            <a:pPr marL="67945" marR="0" lvl="0" indent="0" algn="l" rtl="0">
-              <a:lnSpc>
-                <a:spcPct val="141250"/>
-              </a:lnSpc>
-              <a:spcBef>
-                <a:spcPts val="0"/>
-              </a:spcBef>
-              <a:spcAft>
-                <a:spcPts val="0"/>
-              </a:spcAft>
-              <a:buClr>
-                <a:srgbClr val="000000"/>
-              </a:buClr>
-              <a:buSzPts val="1200"/>
-              <a:buFont typeface="Arial"/>
-              <a:buNone/>
+            <a:pPr marL="189865">
+              <a:spcBef>
+                <a:spcPts val="945"/>
+              </a:spcBef>
+              <a:spcAft>
+                <a:spcPts val="0"/>
+              </a:spcAft>
             </a:pPr>
             <a:r>
-              <a:rPr lang="pt-BR" sz="1200" dirty="0">
+              <a:rPr lang="en-GB" sz="1200" dirty="0">
                 <a:solidFill>
                   <a:srgbClr val="212121"/>
                 </a:solidFill>
               </a:rPr>
-              <a:t>BSP – BUSSINES SCHOOL OF SÃO PAULO</a:t>
+              <a:t>BSP – BUSINESS SCHOOL OF SÃO PAULO</a:t>
             </a:r>
-            <a:endParaRPr sz="1200" b="0" i="0" u="none" strike="noStrike" cap="none" dirty="0">
+            <a:endParaRPr lang="pt-BR" sz="1200" dirty="0">
               <a:solidFill>
-                <a:schemeClr val="dk1"/>
+                <a:srgbClr val="212121"/>
               </a:solidFill>
-              <a:latin typeface="Arial"/>
-              <a:ea typeface="Arial"/>
-              <a:cs typeface="Arial"/>
-              <a:sym typeface="Arial"/>
             </a:endParaRPr>
           </a:p>
           <a:p>
-            <a:pPr marL="67945" marR="407035" lvl="0" indent="0" algn="l" rtl="0">
-              <a:lnSpc>
-                <a:spcPct val="85000"/>
-              </a:lnSpc>
-              <a:spcBef>
-                <a:spcPts val="30"/>
-              </a:spcBef>
-              <a:spcAft>
-                <a:spcPts val="0"/>
-              </a:spcAft>
-              <a:buClr>
-                <a:srgbClr val="000000"/>
-              </a:buClr>
-              <a:buSzPts val="1200"/>
-              <a:buFont typeface="Arial"/>
-              <a:buNone/>
+            <a:pPr marL="189865" marR="705485">
+              <a:lnSpc>
+                <a:spcPct val="88000"/>
+              </a:lnSpc>
+              <a:spcBef>
+                <a:spcPts val="195"/>
+              </a:spcBef>
+              <a:spcAft>
+                <a:spcPts val="0"/>
+              </a:spcAft>
             </a:pPr>
             <a:r>
-              <a:rPr lang="pt-BR" sz="1200" dirty="0">
+              <a:rPr lang="pt-PT" sz="1200" dirty="0">
                 <a:solidFill>
                   <a:srgbClr val="7F7F7F"/>
                 </a:solidFill>
               </a:rPr>
-              <a:t>Pós graduação em Gestão de projetos</a:t>
+              <a:t>Pós Graduação em Gestão de Projetos </a:t>
             </a:r>
-            <a:endParaRPr sz="1400" b="0" i="0" u="none" strike="noStrike" cap="none" dirty="0">
-              <a:solidFill>
-                <a:srgbClr val="000000"/>
-              </a:solidFill>
-              <a:latin typeface="Arial"/>
-              <a:ea typeface="Arial"/>
-              <a:cs typeface="Arial"/>
-              <a:sym typeface="Arial"/>
-            </a:endParaRPr>
-          </a:p>
-          <a:p>
-            <a:pPr marL="67945" marR="407035" lvl="0" indent="0" algn="l" rtl="0">
-              <a:lnSpc>
-                <a:spcPct val="85000"/>
-              </a:lnSpc>
-              <a:spcBef>
-                <a:spcPts val="30"/>
-              </a:spcBef>
-              <a:spcAft>
-                <a:spcPts val="0"/>
-              </a:spcAft>
-              <a:buClr>
-                <a:srgbClr val="000000"/>
-              </a:buClr>
-              <a:buSzPts val="1200"/>
-              <a:buFont typeface="Arial"/>
-              <a:buNone/>
-            </a:pPr>
+            <a:br>
+              <a:rPr lang="pt-PT" sz="1200" dirty="0">
+                <a:solidFill>
+                  <a:srgbClr val="7F7F7F"/>
+                </a:solidFill>
+              </a:rPr>
+            </a:br>
             <a:r>
-              <a:rPr lang="pt-BR" sz="1200" dirty="0">
+              <a:rPr lang="pt-PT" sz="1200" dirty="0">
                 <a:solidFill>
                   <a:srgbClr val="7F7F7F"/>
                 </a:solidFill>
               </a:rPr>
-              <a:t>Fevereiro </a:t>
+              <a:t>Fevereiro /2018 – Dezembro /2018</a:t>
             </a:r>
-            <a:r>
-              <a:rPr lang="pt-BR" sz="1200" b="0" i="0" u="none" strike="noStrike" cap="none" dirty="0">
-                <a:solidFill>
-                  <a:srgbClr val="7F7F7F"/>
-                </a:solidFill>
-                <a:latin typeface="Arial"/>
-                <a:ea typeface="Arial"/>
-                <a:cs typeface="Arial"/>
-                <a:sym typeface="Arial"/>
-              </a:rPr>
-              <a:t>/2018 – </a:t>
-            </a:r>
-            <a:r>
-              <a:rPr lang="pt-BR" sz="1200" dirty="0">
-                <a:solidFill>
-                  <a:srgbClr val="7F7F7F"/>
-                </a:solidFill>
-              </a:rPr>
-              <a:t>Dezembro </a:t>
-            </a:r>
-            <a:r>
-              <a:rPr lang="pt-BR" sz="1200" b="0" i="0" u="none" strike="noStrike" cap="none" dirty="0">
-                <a:solidFill>
-                  <a:srgbClr val="7F7F7F"/>
-                </a:solidFill>
-                <a:latin typeface="Arial"/>
-                <a:ea typeface="Arial"/>
-                <a:cs typeface="Arial"/>
-                <a:sym typeface="Arial"/>
-              </a:rPr>
-              <a:t>/2018 </a:t>
-            </a:r>
-            <a:endParaRPr sz="1200" b="0" i="0" u="none" strike="noStrike" cap="none" dirty="0">
+            <a:endParaRPr lang="pt-BR" sz="1200" dirty="0">
               <a:solidFill>
                 <a:srgbClr val="7F7F7F"/>
               </a:solidFill>
-              <a:latin typeface="Arial"/>
-              <a:ea typeface="Arial"/>
-              <a:cs typeface="Arial"/>
-              <a:sym typeface="Arial"/>
             </a:endParaRPr>
           </a:p>
         </p:txBody>
@@ -14945,7 +14903,7 @@
         </p:nvSpPr>
         <p:spPr>
           <a:xfrm>
-            <a:off x="135779" y="5337435"/>
+            <a:off x="-16689" y="5561900"/>
             <a:ext cx="3503424" cy="666617"/>
           </a:xfrm>
           <a:prstGeom prst="rect">
@@ -14962,139 +14920,95 @@
           </a:bodyPr>
           <a:lstStyle/>
           <a:p>
-            <a:pPr marL="67945" marR="0" lvl="0" indent="0" algn="l" rtl="0">
-              <a:lnSpc>
-                <a:spcPct val="141250"/>
-              </a:lnSpc>
-              <a:spcBef>
-                <a:spcPts val="0"/>
-              </a:spcBef>
-              <a:spcAft>
-                <a:spcPts val="0"/>
-              </a:spcAft>
-              <a:buClr>
-                <a:srgbClr val="000000"/>
-              </a:buClr>
-              <a:buSzPts val="1200"/>
-              <a:buFont typeface="Arial"/>
-              <a:buNone/>
+            <a:pPr marL="207010">
+              <a:spcBef>
+                <a:spcPts val="965"/>
+              </a:spcBef>
+              <a:spcAft>
+                <a:spcPts val="0"/>
+              </a:spcAft>
             </a:pPr>
             <a:r>
-              <a:rPr lang="pt-BR" sz="1200" dirty="0">
+              <a:rPr lang="pt-PT" sz="1200" dirty="0">
                 <a:solidFill>
                   <a:srgbClr val="212121"/>
                 </a:solidFill>
               </a:rPr>
               <a:t>ESTÁCIO RADIAL DE SÃO PAULO</a:t>
             </a:r>
-            <a:endParaRPr sz="1200" b="0" i="0" u="none" strike="noStrike" cap="none" dirty="0">
+            <a:endParaRPr lang="pt-BR" sz="1200" dirty="0">
               <a:solidFill>
-                <a:schemeClr val="dk1"/>
+                <a:srgbClr val="212121"/>
               </a:solidFill>
-              <a:latin typeface="Arial"/>
-              <a:ea typeface="Arial"/>
-              <a:cs typeface="Arial"/>
-              <a:sym typeface="Arial"/>
             </a:endParaRPr>
           </a:p>
           <a:p>
-            <a:pPr marL="67945" marR="407035" lvl="0" indent="0" algn="l" rtl="0">
-              <a:lnSpc>
-                <a:spcPct val="85000"/>
-              </a:lnSpc>
-              <a:spcBef>
-                <a:spcPts val="30"/>
-              </a:spcBef>
-              <a:spcAft>
-                <a:spcPts val="0"/>
-              </a:spcAft>
-              <a:buClr>
-                <a:srgbClr val="000000"/>
-              </a:buClr>
-              <a:buSzPts val="1200"/>
-              <a:buFont typeface="Arial"/>
-              <a:buNone/>
+            <a:pPr>
+              <a:lnSpc>
+                <a:spcPts val="1305"/>
+              </a:lnSpc>
+              <a:spcBef>
+                <a:spcPts val="70"/>
+              </a:spcBef>
             </a:pPr>
             <a:r>
-              <a:rPr lang="pt-BR" sz="1200" b="0" i="0" u="none" strike="noStrike" cap="none" dirty="0">
+              <a:rPr lang="pt-PT" sz="1800" dirty="0">
+                <a:solidFill>
+                  <a:srgbClr val="7E7E7E"/>
+                </a:solidFill>
+                <a:effectLst/>
+                <a:latin typeface="Arial" panose="020B0604020202020204" pitchFamily="34" charset="0"/>
+                <a:ea typeface="Arial" panose="020B0604020202020204" pitchFamily="34" charset="0"/>
+              </a:rPr>
+              <a:t>   </a:t>
+            </a:r>
+            <a:r>
+              <a:rPr lang="pt-PT" sz="1200" dirty="0">
                 <a:solidFill>
                   <a:srgbClr val="7F7F7F"/>
                 </a:solidFill>
-                <a:latin typeface="Arial"/>
-                <a:ea typeface="Arial"/>
-                <a:cs typeface="Arial"/>
-                <a:sym typeface="Arial"/>
               </a:rPr>
-              <a:t>Tecnólogo em Processos gerenciais</a:t>
+              <a:t>Tecnóloga em Processos Gerenciais</a:t>
             </a:r>
-            <a:endParaRPr sz="1400" b="0" i="0" u="none" strike="noStrike" cap="none" dirty="0">
+            <a:endParaRPr lang="pt-BR" sz="1200" dirty="0">
               <a:solidFill>
-                <a:srgbClr val="000000"/>
+                <a:srgbClr val="7F7F7F"/>
               </a:solidFill>
-              <a:latin typeface="Arial"/>
-              <a:ea typeface="Arial"/>
-              <a:cs typeface="Arial"/>
-              <a:sym typeface="Arial"/>
             </a:endParaRPr>
           </a:p>
           <a:p>
-            <a:pPr marL="67945" marR="407035" lvl="0" indent="0" algn="l" rtl="0">
-              <a:lnSpc>
-                <a:spcPct val="85000"/>
-              </a:lnSpc>
-              <a:spcBef>
-                <a:spcPts val="30"/>
-              </a:spcBef>
-              <a:spcAft>
-                <a:spcPts val="0"/>
-              </a:spcAft>
-              <a:buClr>
-                <a:srgbClr val="000000"/>
-              </a:buClr>
-              <a:buSzPts val="1200"/>
-              <a:buFont typeface="Arial"/>
-              <a:buNone/>
+            <a:pPr marL="207010">
+              <a:lnSpc>
+                <a:spcPts val="1305"/>
+              </a:lnSpc>
             </a:pPr>
             <a:r>
-              <a:rPr lang="pt-BR" sz="1200" b="0" i="0" u="none" strike="noStrike" cap="none" dirty="0">
+              <a:rPr lang="pt-PT" sz="1200" dirty="0">
                 <a:solidFill>
                   <a:srgbClr val="7F7F7F"/>
                 </a:solidFill>
-                <a:latin typeface="Arial"/>
-                <a:ea typeface="Arial"/>
-                <a:cs typeface="Arial"/>
-                <a:sym typeface="Arial"/>
               </a:rPr>
-              <a:t>Março /2012 – </a:t>
+              <a:t>Março /2012 – Dezembro /2014 </a:t>
             </a:r>
-            <a:r>
-              <a:rPr lang="pt-BR" sz="1200" dirty="0">
-                <a:solidFill>
-                  <a:srgbClr val="7F7F7F"/>
-                </a:solidFill>
-              </a:rPr>
-              <a:t>Dezembro </a:t>
-            </a:r>
-            <a:r>
-              <a:rPr lang="pt-BR" sz="1200" b="0" i="0" u="none" strike="noStrike" cap="none" dirty="0">
-                <a:solidFill>
-                  <a:srgbClr val="7F7F7F"/>
-                </a:solidFill>
-                <a:latin typeface="Arial"/>
-                <a:ea typeface="Arial"/>
-                <a:cs typeface="Arial"/>
-                <a:sym typeface="Arial"/>
-              </a:rPr>
-              <a:t>/2014 </a:t>
-            </a:r>
-            <a:endParaRPr sz="1200" b="0" i="0" u="none" strike="noStrike" cap="none" dirty="0">
+            <a:endParaRPr lang="pt-BR" sz="1200" dirty="0">
               <a:solidFill>
                 <a:srgbClr val="7F7F7F"/>
               </a:solidFill>
-              <a:latin typeface="Arial"/>
-              <a:ea typeface="Arial"/>
-              <a:cs typeface="Arial"/>
-              <a:sym typeface="Arial"/>
+            </a:endParaRPr>
+          </a:p>
+          <a:p>
+            <a:r>
+              <a:rPr lang="pt-PT" sz="1200" dirty="0">
+                <a:solidFill>
+                  <a:srgbClr val="7F7F7F"/>
+                </a:solidFill>
+              </a:rPr>
+              <a:t> </a:t>
+            </a:r>
+            <a:endParaRPr lang="pt-BR" sz="1200" dirty="0">
+              <a:solidFill>
+                <a:srgbClr val="7F7F7F"/>
+              </a:solidFill>
             </a:endParaRPr>
           </a:p>
         </p:txBody>
@@ -15173,8 +15087,8 @@
         </p:nvSpPr>
         <p:spPr>
           <a:xfrm>
-            <a:off x="0" y="6725137"/>
-            <a:ext cx="3702348" cy="1040198"/>
+            <a:off x="-1" y="6728121"/>
+            <a:ext cx="3980329" cy="963482"/>
           </a:xfrm>
           <a:prstGeom prst="rect">
             <a:avLst/>
@@ -15256,7 +15170,7 @@
               <a:buNone/>
             </a:pPr>
             <a:r>
-              <a:rPr lang="pt-BR" sz="1050" b="0" i="1" u="none" strike="noStrike" cap="none" dirty="0">
+              <a:rPr lang="pt-BR" sz="1050" b="1" u="none" strike="noStrike" cap="none" dirty="0">
                 <a:solidFill>
                   <a:srgbClr val="7F7F7F"/>
                 </a:solidFill>
@@ -15269,76 +15183,32 @@
             </a:r>
           </a:p>
           <a:p>
-            <a:pPr marL="67945" marR="407035" algn="just">
-              <a:lnSpc>
-                <a:spcPct val="85000"/>
-              </a:lnSpc>
-              <a:spcBef>
-                <a:spcPts val="30"/>
-              </a:spcBef>
-              <a:buSzPts val="1200"/>
+            <a:pPr marL="71120" marR="417830" algn="just">
+              <a:lnSpc>
+                <a:spcPct val="87000"/>
+              </a:lnSpc>
+              <a:spcBef>
+                <a:spcPts val="50"/>
+              </a:spcBef>
+              <a:spcAft>
+                <a:spcPts val="0"/>
+              </a:spcAft>
             </a:pPr>
             <a:r>
-              <a:rPr lang="pt-BR" sz="1050" dirty="0">
+              <a:rPr lang="pt-PT" sz="1050" dirty="0">
                 <a:solidFill>
                   <a:srgbClr val="7F7F7F"/>
                 </a:solidFill>
               </a:rPr>
-              <a:t>Gerenciei uma equipe com 34 pessoas, onde eu as  entrevistavam, contratavam e as treinavam. Também fui incumbida de traçar estratégias operacionalizar e bater metas de vendas do restaurante.</a:t>
+              <a:t>Responsável pela contratação, treinamento e gerenciamento de uma equipe de 34 pessoas. Responsável pelo desenvolvimento e implementação de metas de vendas dos restaurantes.</a:t>
             </a:r>
-          </a:p>
-          <a:p>
-            <a:pPr marL="67945" marR="407035" lvl="0" indent="0" algn="just" rtl="0">
-              <a:lnSpc>
-                <a:spcPct val="85000"/>
-              </a:lnSpc>
-              <a:spcBef>
-                <a:spcPts val="30"/>
-              </a:spcBef>
-              <a:spcAft>
-                <a:spcPts val="0"/>
-              </a:spcAft>
-              <a:buClr>
-                <a:srgbClr val="000000"/>
-              </a:buClr>
-              <a:buSzPts val="1200"/>
-              <a:buFont typeface="Arial"/>
-              <a:buNone/>
-            </a:pPr>
             <a:r>
               <a:rPr lang="pt-BR" sz="1200" dirty="0">
                 <a:solidFill>
                   <a:srgbClr val="7F7F7F"/>
                 </a:solidFill>
               </a:rPr>
-              <a:t>  </a:t>
-            </a:r>
-          </a:p>
-          <a:p>
-            <a:pPr marL="67945" marR="407035" lvl="0" indent="0" algn="just" rtl="0">
-              <a:lnSpc>
-                <a:spcPct val="85000"/>
-              </a:lnSpc>
-              <a:spcBef>
-                <a:spcPts val="30"/>
-              </a:spcBef>
-              <a:spcAft>
-                <a:spcPts val="0"/>
-              </a:spcAft>
-              <a:buClr>
-                <a:srgbClr val="000000"/>
-              </a:buClr>
-              <a:buSzPts val="1200"/>
-              <a:buFont typeface="Arial"/>
-              <a:buNone/>
-            </a:pPr>
-            <a:r>
-              <a:rPr lang="pt-BR" sz="1200" dirty="0">
-                <a:solidFill>
-                  <a:srgbClr val="7F7F7F"/>
-                </a:solidFill>
-              </a:rPr>
-              <a:t>                            </a:t>
+              <a:t>                     </a:t>
             </a:r>
             <a:endParaRPr sz="1200" dirty="0">
               <a:solidFill>
@@ -15384,8 +15254,8 @@
         </p:nvSpPr>
         <p:spPr>
           <a:xfrm>
-            <a:off x="1" y="7794381"/>
-            <a:ext cx="3684373" cy="932948"/>
+            <a:off x="1" y="7756837"/>
+            <a:ext cx="3980327" cy="937707"/>
           </a:xfrm>
           <a:prstGeom prst="rect">
             <a:avLst/>
@@ -15491,7 +15361,7 @@
               <a:buNone/>
             </a:pPr>
             <a:r>
-              <a:rPr lang="pt-BR" sz="1050" b="0" i="1" u="none" strike="noStrike" cap="none" dirty="0">
+              <a:rPr lang="pt-BR" sz="1050" b="1" u="none" strike="noStrike" cap="none" dirty="0">
                 <a:solidFill>
                   <a:srgbClr val="7F7F7F"/>
                 </a:solidFill>
@@ -15503,7 +15373,7 @@
               <a:t>Hostess | Team Leader</a:t>
             </a:r>
             <a:r>
-              <a:rPr lang="pt-BR" sz="400" b="0" i="1" u="none" strike="noStrike" cap="none" dirty="0">
+              <a:rPr lang="pt-BR" sz="400" b="1" u="none" strike="noStrike" cap="none" dirty="0">
                 <a:solidFill>
                   <a:srgbClr val="7F7F7F"/>
                 </a:solidFill>
@@ -15515,7 +15385,7 @@
               <a:t>         </a:t>
             </a:r>
             <a:r>
-              <a:rPr lang="pt-BR" sz="1050" b="0" i="1" u="none" strike="noStrike" cap="none" dirty="0">
+              <a:rPr lang="pt-BR" sz="1050" b="1" u="none" strike="noStrike" cap="none" dirty="0">
                 <a:solidFill>
                   <a:srgbClr val="7F7F7F"/>
                 </a:solidFill>
@@ -15526,7 +15396,7 @@
               </a:rPr>
               <a:t>                                         </a:t>
             </a:r>
-            <a:endParaRPr sz="1050" b="0" i="1" u="none" strike="noStrike" cap="none" dirty="0">
+            <a:endParaRPr sz="1050" b="1" u="none" strike="noStrike" cap="none" dirty="0">
               <a:solidFill>
                 <a:srgbClr val="7F7F7F"/>
               </a:solidFill>
@@ -15555,49 +15425,17 @@
               <a:buNone/>
             </a:pPr>
             <a:r>
-              <a:rPr lang="pt-BR" sz="1050" dirty="0">
+              <a:rPr lang="pt-PT" sz="1050" dirty="0">
                 <a:solidFill>
                   <a:srgbClr val="7F7F7F"/>
                 </a:solidFill>
               </a:rPr>
-              <a:t>Como hostess fui responsável por toda área administrativa do restaurante para garantir a operacionalização do restaurante, a experiencia do cliente e folha de pagamento dos funcionários.</a:t>
+              <a:t>Como hostess fui responsável pela folha de pagamento dos funcionários, bem como toda a área administrativa do restaurante para garantir o sucesso da operação e a melhor experiencia para os clientes</a:t>
             </a:r>
-            <a:endParaRPr sz="1050" b="0" i="0" u="none" strike="noStrike" cap="none" dirty="0">
+            <a:endParaRPr sz="1050" dirty="0">
               <a:solidFill>
                 <a:srgbClr val="7F7F7F"/>
               </a:solidFill>
-              <a:latin typeface="Arial"/>
-              <a:ea typeface="Arial"/>
-              <a:cs typeface="Arial"/>
-              <a:sym typeface="Arial"/>
-            </a:endParaRPr>
-          </a:p>
-          <a:p>
-            <a:pPr marL="67945" marR="407035" lvl="0" indent="0" algn="l" rtl="0">
-              <a:lnSpc>
-                <a:spcPct val="85000"/>
-              </a:lnSpc>
-              <a:spcBef>
-                <a:spcPts val="30"/>
-              </a:spcBef>
-              <a:spcAft>
-                <a:spcPts val="0"/>
-              </a:spcAft>
-              <a:buClr>
-                <a:srgbClr val="000000"/>
-              </a:buClr>
-              <a:buSzPts val="1200"/>
-              <a:buFont typeface="Arial"/>
-              <a:buNone/>
-            </a:pPr>
-            <a:endParaRPr sz="1200" b="0" i="0" u="none" strike="noStrike" cap="none" dirty="0">
-              <a:solidFill>
-                <a:schemeClr val="dk1"/>
-              </a:solidFill>
-              <a:latin typeface="Arial"/>
-              <a:ea typeface="Arial"/>
-              <a:cs typeface="Arial"/>
-              <a:sym typeface="Arial"/>
             </a:endParaRPr>
           </a:p>
         </p:txBody>
@@ -15610,8 +15448,8 @@
         </p:nvSpPr>
         <p:spPr>
           <a:xfrm>
-            <a:off x="1" y="8758310"/>
-            <a:ext cx="3702348" cy="933000"/>
+            <a:off x="1" y="8754005"/>
+            <a:ext cx="3980326" cy="963482"/>
           </a:xfrm>
           <a:prstGeom prst="rect">
             <a:avLst/>
@@ -15697,7 +15535,7 @@
               <a:buNone/>
             </a:pPr>
             <a:r>
-              <a:rPr lang="pt-BR" sz="1050" b="0" i="1" u="none" strike="noStrike" cap="none" dirty="0">
+              <a:rPr lang="pt-BR" sz="1050" b="1" u="none" strike="noStrike" cap="none" dirty="0">
                 <a:solidFill>
                   <a:srgbClr val="7F7F7F"/>
                 </a:solidFill>
@@ -15708,7 +15546,7 @@
               </a:rPr>
               <a:t>Aux. Garçom | Hostess                                                 </a:t>
             </a:r>
-            <a:endParaRPr sz="1050" b="0" i="1" u="none" strike="noStrike" cap="none" dirty="0">
+            <a:endParaRPr sz="1050" b="1" u="none" strike="noStrike" cap="none" dirty="0">
               <a:solidFill>
                 <a:srgbClr val="7F7F7F"/>
               </a:solidFill>
@@ -15719,39 +15557,29 @@
             </a:endParaRPr>
           </a:p>
           <a:p>
-            <a:pPr marL="67945" marR="407035" lvl="0" indent="0" algn="just" rtl="0">
-              <a:lnSpc>
-                <a:spcPct val="85000"/>
-              </a:lnSpc>
-              <a:spcBef>
-                <a:spcPts val="30"/>
-              </a:spcBef>
-              <a:spcAft>
-                <a:spcPts val="0"/>
-              </a:spcAft>
-              <a:buClr>
-                <a:srgbClr val="000000"/>
-              </a:buClr>
-              <a:buSzPts val="1200"/>
-              <a:buFont typeface="Arial"/>
-              <a:buNone/>
+            <a:pPr marL="71120" marR="429895" algn="just">
+              <a:lnSpc>
+                <a:spcPct val="88000"/>
+              </a:lnSpc>
+              <a:spcBef>
+                <a:spcPts val="45"/>
+              </a:spcBef>
+              <a:spcAft>
+                <a:spcPts val="0"/>
+              </a:spcAft>
             </a:pPr>
             <a:r>
-              <a:rPr lang="pt-BR" sz="1050" dirty="0">
+              <a:rPr lang="pt-PT" sz="1050" dirty="0">
                 <a:solidFill>
                   <a:srgbClr val="7F7F7F"/>
                 </a:solidFill>
               </a:rPr>
-              <a:t>Trabalhei na área de eventos, onde cuidava da experiencia dos funcionários, dos organizadores e dos cliente, me comunicava com a cozinha para identificar os alimentos que iriam ser servidos durante o evento.</a:t>
+              <a:t>Trabalhei na área de eventos, onde era responsável pela experiencia dos funcionários, dos organizadores e dos clientes, bem como a comunicação e interação com a cozinha.</a:t>
             </a:r>
-            <a:endParaRPr sz="1050" b="0" i="0" u="none" strike="noStrike" cap="none" dirty="0">
+            <a:endParaRPr lang="pt-BR" sz="1050" dirty="0">
               <a:solidFill>
                 <a:srgbClr val="7F7F7F"/>
               </a:solidFill>
-              <a:latin typeface="Arial"/>
-              <a:ea typeface="Arial"/>
-              <a:cs typeface="Arial"/>
-              <a:sym typeface="Arial"/>
             </a:endParaRPr>
           </a:p>
           <a:p>
@@ -15858,7 +15686,7 @@
         </p:nvSpPr>
         <p:spPr>
           <a:xfrm>
-            <a:off x="3744674" y="2364650"/>
+            <a:off x="3701129" y="2364650"/>
             <a:ext cx="2930072" cy="1517095"/>
           </a:xfrm>
           <a:prstGeom prst="rect">
@@ -16153,8 +15981,8 @@
         </p:nvSpPr>
         <p:spPr>
           <a:xfrm>
-            <a:off x="3789501" y="4895546"/>
-            <a:ext cx="3152359" cy="1034089"/>
+            <a:off x="3834312" y="4466865"/>
+            <a:ext cx="2852892" cy="1610051"/>
           </a:xfrm>
           <a:prstGeom prst="rect">
             <a:avLst/>
@@ -16170,264 +15998,230 @@
           </a:bodyPr>
           <a:lstStyle/>
           <a:p>
-            <a:pPr marL="457200" marR="407035" lvl="0" indent="-304800" algn="l" rtl="0">
-              <a:lnSpc>
-                <a:spcPct val="85000"/>
-              </a:lnSpc>
-              <a:spcBef>
-                <a:spcPts val="30"/>
-              </a:spcBef>
-              <a:spcAft>
-                <a:spcPts val="0"/>
-              </a:spcAft>
-              <a:buClr>
-                <a:srgbClr val="7F7F7F"/>
+            <a:pPr marL="342900" lvl="0" indent="-342900">
+              <a:buClr>
+                <a:srgbClr val="7E7E7E"/>
               </a:buClr>
               <a:buSzPts val="1200"/>
-              <a:buFont typeface="Noto Sans Symbols"/>
+              <a:buFont typeface="Arial" panose="020B0604020202020204" pitchFamily="34" charset="0"/>
               <a:buChar char="▪"/>
+              <a:tabLst>
+                <a:tab pos="622935" algn="l"/>
+                <a:tab pos="623570" algn="l"/>
+              </a:tabLst>
             </a:pPr>
             <a:r>
-              <a:rPr lang="pt-BR" sz="1100" dirty="0">
+              <a:rPr lang="pt-PT" sz="1200" dirty="0">
                 <a:solidFill>
                   <a:srgbClr val="7F7F7F"/>
                 </a:solidFill>
               </a:rPr>
               <a:t>Comunicação</a:t>
             </a:r>
-            <a:endParaRPr sz="1100" dirty="0">
+            <a:endParaRPr lang="pt-BR" sz="1200" dirty="0">
               <a:solidFill>
                 <a:srgbClr val="7F7F7F"/>
               </a:solidFill>
             </a:endParaRPr>
           </a:p>
           <a:p>
-            <a:pPr marL="457200" marR="407035" lvl="0" indent="-304800" algn="l" rtl="0">
-              <a:lnSpc>
-                <a:spcPct val="85000"/>
-              </a:lnSpc>
-              <a:spcBef>
-                <a:spcPts val="0"/>
-              </a:spcBef>
-              <a:spcAft>
-                <a:spcPts val="0"/>
-              </a:spcAft>
-              <a:buClr>
-                <a:srgbClr val="7F7F7F"/>
+            <a:pPr marL="342900" lvl="0" indent="-342900">
+              <a:buClr>
+                <a:srgbClr val="7E7E7E"/>
               </a:buClr>
               <a:buSzPts val="1200"/>
-              <a:buFont typeface="Noto Sans Symbols"/>
+              <a:buFont typeface="Arial" panose="020B0604020202020204" pitchFamily="34" charset="0"/>
               <a:buChar char="▪"/>
+              <a:tabLst>
+                <a:tab pos="622935" algn="l"/>
+                <a:tab pos="623570" algn="l"/>
+              </a:tabLst>
             </a:pPr>
             <a:r>
-              <a:rPr lang="pt-BR" sz="1100" dirty="0">
+              <a:rPr lang="pt-PT" sz="1200" dirty="0">
                 <a:solidFill>
                   <a:srgbClr val="7F7F7F"/>
                 </a:solidFill>
               </a:rPr>
               <a:t>Proatividade</a:t>
             </a:r>
-            <a:endParaRPr sz="1100" dirty="0">
+            <a:endParaRPr lang="pt-BR" sz="1200" dirty="0">
               <a:solidFill>
                 <a:srgbClr val="7F7F7F"/>
               </a:solidFill>
             </a:endParaRPr>
           </a:p>
           <a:p>
-            <a:pPr marL="457200" marR="407035" lvl="0" indent="-304800" algn="l" rtl="0">
-              <a:lnSpc>
-                <a:spcPct val="85000"/>
-              </a:lnSpc>
-              <a:spcBef>
-                <a:spcPts val="0"/>
-              </a:spcBef>
-              <a:spcAft>
-                <a:spcPts val="0"/>
-              </a:spcAft>
-              <a:buClr>
-                <a:srgbClr val="7F7F7F"/>
+            <a:pPr marL="342900" lvl="0" indent="-342900">
+              <a:buClr>
+                <a:srgbClr val="7E7E7E"/>
               </a:buClr>
               <a:buSzPts val="1200"/>
-              <a:buFont typeface="Noto Sans Symbols"/>
+              <a:buFont typeface="Arial" panose="020B0604020202020204" pitchFamily="34" charset="0"/>
               <a:buChar char="▪"/>
+              <a:tabLst>
+                <a:tab pos="622935" algn="l"/>
+                <a:tab pos="623570" algn="l"/>
+              </a:tabLst>
             </a:pPr>
             <a:r>
-              <a:rPr lang="pt-BR" sz="1100" dirty="0">
+              <a:rPr lang="pt-PT" sz="1200" dirty="0">
                 <a:solidFill>
                   <a:srgbClr val="7F7F7F"/>
                 </a:solidFill>
               </a:rPr>
-              <a:t>Atenção à Detalhes </a:t>
+              <a:t>Atenção a Detalhes</a:t>
             </a:r>
-            <a:endParaRPr sz="1100" dirty="0">
+            <a:endParaRPr lang="pt-BR" sz="1200" dirty="0">
               <a:solidFill>
                 <a:srgbClr val="7F7F7F"/>
               </a:solidFill>
             </a:endParaRPr>
           </a:p>
           <a:p>
-            <a:pPr marL="457200" marR="407035" lvl="0" indent="-304800" algn="l" rtl="0">
-              <a:lnSpc>
-                <a:spcPct val="85000"/>
-              </a:lnSpc>
-              <a:spcBef>
-                <a:spcPts val="0"/>
-              </a:spcBef>
-              <a:spcAft>
-                <a:spcPts val="0"/>
-              </a:spcAft>
-              <a:buClr>
-                <a:srgbClr val="7F7F7F"/>
+            <a:pPr marL="342900" lvl="0" indent="-342900">
+              <a:buClr>
+                <a:srgbClr val="7E7E7E"/>
               </a:buClr>
               <a:buSzPts val="1200"/>
-              <a:buFont typeface="Noto Sans Symbols"/>
+              <a:buFont typeface="Arial" panose="020B0604020202020204" pitchFamily="34" charset="0"/>
               <a:buChar char="▪"/>
+              <a:tabLst>
+                <a:tab pos="622935" algn="l"/>
+                <a:tab pos="623570" algn="l"/>
+              </a:tabLst>
             </a:pPr>
             <a:r>
-              <a:rPr lang="pt-BR" sz="1100" dirty="0">
+              <a:rPr lang="pt-PT" sz="1200" dirty="0">
                 <a:solidFill>
                   <a:srgbClr val="7F7F7F"/>
                 </a:solidFill>
               </a:rPr>
               <a:t>Trabalho em Equipe</a:t>
             </a:r>
-            <a:endParaRPr sz="1100" dirty="0">
+            <a:endParaRPr lang="pt-BR" sz="1200" dirty="0">
               <a:solidFill>
                 <a:srgbClr val="7F7F7F"/>
               </a:solidFill>
             </a:endParaRPr>
           </a:p>
           <a:p>
-            <a:pPr marL="457200" marR="407035" lvl="0" indent="-304800" algn="l" rtl="0">
-              <a:lnSpc>
-                <a:spcPct val="85000"/>
-              </a:lnSpc>
-              <a:spcBef>
-                <a:spcPts val="0"/>
-              </a:spcBef>
-              <a:spcAft>
-                <a:spcPts val="0"/>
-              </a:spcAft>
-              <a:buClr>
-                <a:srgbClr val="7F7F7F"/>
+            <a:pPr marL="342900" lvl="0" indent="-342900">
+              <a:buClr>
+                <a:srgbClr val="7E7E7E"/>
               </a:buClr>
               <a:buSzPts val="1200"/>
-              <a:buFont typeface="Noto Sans Symbols"/>
+              <a:buFont typeface="Arial" panose="020B0604020202020204" pitchFamily="34" charset="0"/>
               <a:buChar char="▪"/>
+              <a:tabLst>
+                <a:tab pos="622935" algn="l"/>
+                <a:tab pos="623570" algn="l"/>
+              </a:tabLst>
             </a:pPr>
             <a:r>
-              <a:rPr lang="pt-BR" sz="1100" dirty="0">
+              <a:rPr lang="pt-PT" sz="1200" dirty="0">
                 <a:solidFill>
                   <a:srgbClr val="7F7F7F"/>
                 </a:solidFill>
               </a:rPr>
-              <a:t>Persistência </a:t>
+              <a:t>Persistência</a:t>
             </a:r>
-            <a:endParaRPr sz="1100" dirty="0">
+            <a:endParaRPr lang="pt-BR" sz="1200" dirty="0">
               <a:solidFill>
                 <a:srgbClr val="7F7F7F"/>
               </a:solidFill>
             </a:endParaRPr>
           </a:p>
           <a:p>
-            <a:pPr marL="457200" marR="407035" lvl="0" indent="-304800" algn="l" rtl="0">
-              <a:lnSpc>
-                <a:spcPct val="85000"/>
-              </a:lnSpc>
-              <a:spcBef>
-                <a:spcPts val="0"/>
-              </a:spcBef>
-              <a:spcAft>
-                <a:spcPts val="0"/>
-              </a:spcAft>
-              <a:buClr>
-                <a:srgbClr val="7F7F7F"/>
+            <a:pPr marL="342900" lvl="0" indent="-342900">
+              <a:buClr>
+                <a:srgbClr val="7E7E7E"/>
               </a:buClr>
               <a:buSzPts val="1200"/>
-              <a:buFont typeface="Noto Sans Symbols"/>
+              <a:buFont typeface="Arial" panose="020B0604020202020204" pitchFamily="34" charset="0"/>
               <a:buChar char="▪"/>
+              <a:tabLst>
+                <a:tab pos="622935" algn="l"/>
+                <a:tab pos="623570" algn="l"/>
+              </a:tabLst>
             </a:pPr>
             <a:r>
-              <a:rPr lang="pt-BR" sz="1100" dirty="0">
+              <a:rPr lang="pt-PT" sz="1200" dirty="0">
                 <a:solidFill>
                   <a:srgbClr val="7F7F7F"/>
                 </a:solidFill>
               </a:rPr>
               <a:t>Liderança</a:t>
             </a:r>
+            <a:endParaRPr lang="pt-BR" sz="1200" dirty="0">
+              <a:solidFill>
+                <a:srgbClr val="7F7F7F"/>
+              </a:solidFill>
+            </a:endParaRPr>
           </a:p>
           <a:p>
-            <a:pPr marL="457200" marR="407035" lvl="0" indent="-304800" algn="l" rtl="0">
-              <a:lnSpc>
-                <a:spcPct val="85000"/>
-              </a:lnSpc>
-              <a:spcBef>
-                <a:spcPts val="0"/>
-              </a:spcBef>
-              <a:spcAft>
-                <a:spcPts val="0"/>
-              </a:spcAft>
-              <a:buClr>
-                <a:srgbClr val="7F7F7F"/>
+            <a:pPr marL="342900" lvl="0" indent="-342900">
+              <a:buClr>
+                <a:srgbClr val="7E7E7E"/>
               </a:buClr>
               <a:buSzPts val="1200"/>
-              <a:buFont typeface="Noto Sans Symbols"/>
+              <a:buFont typeface="Arial" panose="020B0604020202020204" pitchFamily="34" charset="0"/>
               <a:buChar char="▪"/>
+              <a:tabLst>
+                <a:tab pos="622935" algn="l"/>
+                <a:tab pos="623570" algn="l"/>
+              </a:tabLst>
             </a:pPr>
             <a:r>
-              <a:rPr lang="pt-BR" sz="1100" dirty="0">
+              <a:rPr lang="pt-PT" sz="1200" dirty="0">
                 <a:solidFill>
                   <a:srgbClr val="7F7F7F"/>
                 </a:solidFill>
               </a:rPr>
-              <a:t>Mentalidade de crescimento</a:t>
+              <a:t>Mentalidade de Crescimento</a:t>
             </a:r>
+            <a:endParaRPr lang="pt-BR" sz="1200" dirty="0">
+              <a:solidFill>
+                <a:srgbClr val="7F7F7F"/>
+              </a:solidFill>
+            </a:endParaRPr>
           </a:p>
           <a:p>
-            <a:pPr marL="457200" marR="407035" lvl="0" indent="-304800" algn="l" rtl="0">
-              <a:lnSpc>
-                <a:spcPct val="85000"/>
-              </a:lnSpc>
-              <a:spcBef>
-                <a:spcPts val="0"/>
-              </a:spcBef>
-              <a:spcAft>
-                <a:spcPts val="0"/>
-              </a:spcAft>
-              <a:buClr>
-                <a:srgbClr val="7F7F7F"/>
+            <a:pPr marL="342900" lvl="0" indent="-342900">
+              <a:buClr>
+                <a:srgbClr val="7E7E7E"/>
               </a:buClr>
               <a:buSzPts val="1200"/>
-              <a:buFont typeface="Noto Sans Symbols"/>
+              <a:buFont typeface="Arial" panose="020B0604020202020204" pitchFamily="34" charset="0"/>
               <a:buChar char="▪"/>
+              <a:tabLst>
+                <a:tab pos="622935" algn="l"/>
+                <a:tab pos="623570" algn="l"/>
+              </a:tabLst>
             </a:pPr>
             <a:r>
-              <a:rPr lang="pt-BR" sz="1100" dirty="0">
+              <a:rPr lang="pt-PT" sz="1200" dirty="0">
                 <a:solidFill>
                   <a:srgbClr val="7F7F7F"/>
                 </a:solidFill>
               </a:rPr>
-              <a:t>Orientação a resultados.</a:t>
+              <a:t>Orientação a Resultados </a:t>
             </a:r>
+            <a:endParaRPr lang="pt-BR" sz="1200" dirty="0">
+              <a:solidFill>
+                <a:srgbClr val="7F7F7F"/>
+              </a:solidFill>
+            </a:endParaRPr>
           </a:p>
           <a:p>
-            <a:pPr marL="457200" marR="407035" lvl="0" indent="-304800" algn="l" rtl="0">
-              <a:lnSpc>
-                <a:spcPct val="85000"/>
-              </a:lnSpc>
-              <a:spcBef>
-                <a:spcPts val="0"/>
-              </a:spcBef>
-              <a:spcAft>
-                <a:spcPts val="0"/>
-              </a:spcAft>
-              <a:buClr>
-                <a:srgbClr val="7F7F7F"/>
-              </a:buClr>
-              <a:buSzPts val="1200"/>
-              <a:buFont typeface="Noto Sans Symbols"/>
-              <a:buChar char="▪"/>
-            </a:pPr>
+            <a:r>
+              <a:rPr lang="pt-PT" sz="1800" dirty="0">
+                <a:effectLst/>
+                <a:latin typeface="Arial" panose="020B0604020202020204" pitchFamily="34" charset="0"/>
+                <a:ea typeface="Arial" panose="020B0604020202020204" pitchFamily="34" charset="0"/>
+              </a:rPr>
+              <a:t> </a:t>
+            </a:r>
             <a:endParaRPr sz="1100" dirty="0">
               <a:solidFill>
                 <a:srgbClr val="7F7F7F"/>
@@ -16444,7 +16238,7 @@
         </p:nvSpPr>
         <p:spPr>
           <a:xfrm>
-            <a:off x="3937415" y="4237947"/>
+            <a:off x="3937415" y="3976682"/>
             <a:ext cx="2757206" cy="523180"/>
           </a:xfrm>
           <a:prstGeom prst="rect">
@@ -16479,7 +16273,7 @@
               <a:buNone/>
             </a:pPr>
             <a:r>
-              <a:rPr lang="pt-BR" sz="1400" b="1" i="0" u="none" strike="noStrike" cap="none">
+              <a:rPr lang="pt-BR" sz="1400" b="1" i="0" u="none" strike="noStrike" cap="none" dirty="0">
                 <a:solidFill>
                   <a:schemeClr val="dk1"/>
                 </a:solidFill>
@@ -16491,7 +16285,7 @@
               <a:t>HABILIDADES</a:t>
             </a:r>
             <a:r>
-              <a:rPr lang="pt-BR" sz="1400" b="1" i="0" u="none" strike="noStrike" cap="none">
+              <a:rPr lang="pt-BR" sz="1400" b="1" i="0" u="none" strike="noStrike" cap="none" dirty="0">
                 <a:solidFill>
                   <a:schemeClr val="dk1"/>
                 </a:solidFill>
@@ -16502,7 +16296,7 @@
               </a:rPr>
               <a:t> COMPORTAMENTAIS</a:t>
             </a:r>
-            <a:endParaRPr sz="1400" b="0" i="0" u="none" strike="noStrike" cap="none">
+            <a:endParaRPr sz="1400" b="0" i="0" u="none" strike="noStrike" cap="none" dirty="0">
               <a:solidFill>
                 <a:srgbClr val="000000"/>
               </a:solidFill>
@@ -16522,7 +16316,7 @@
         </p:nvSpPr>
         <p:spPr>
           <a:xfrm>
-            <a:off x="4061323" y="6737567"/>
+            <a:off x="4061323" y="6284699"/>
             <a:ext cx="1329300" cy="307800"/>
           </a:xfrm>
           <a:prstGeom prst="rect">
@@ -16566,7 +16360,7 @@
                 <a:cs typeface="Arial"/>
                 <a:sym typeface="Arial"/>
               </a:rPr>
-              <a:t>PORTIFOLIO </a:t>
+              <a:t>PORTFÓLIO </a:t>
             </a:r>
             <a:endParaRPr sz="1400" b="0" i="0" u="none" strike="noStrike" cap="none" dirty="0">
               <a:solidFill>
@@ -16588,8 +16382,8 @@
         </p:nvSpPr>
         <p:spPr>
           <a:xfrm>
-            <a:off x="3677480" y="7067942"/>
-            <a:ext cx="3152358" cy="1179900"/>
+            <a:off x="3719210" y="6640762"/>
+            <a:ext cx="3327045" cy="1013103"/>
           </a:xfrm>
           <a:prstGeom prst="rect">
             <a:avLst/>
@@ -16623,7 +16417,7 @@
               <a:buNone/>
             </a:pPr>
             <a:r>
-              <a:rPr lang="pt-BR" sz="1200" b="0" i="0" u="none" strike="noStrike" cap="none" dirty="0">
+              <a:rPr lang="pt-BR" sz="1050" b="0" i="0" u="none" strike="noStrike" cap="none" dirty="0">
                 <a:solidFill>
                   <a:schemeClr val="dk1"/>
                 </a:solidFill>
@@ -16634,66 +16428,7 @@
               </a:rPr>
               <a:t>EducaTI</a:t>
             </a:r>
-            <a:endParaRPr sz="1200" b="0" i="0" u="none" strike="noStrike" cap="none" dirty="0">
-              <a:solidFill>
-                <a:schemeClr val="dk1"/>
-              </a:solidFill>
-              <a:latin typeface="Arial"/>
-              <a:ea typeface="Arial"/>
-              <a:cs typeface="Arial"/>
-              <a:sym typeface="Arial"/>
-            </a:endParaRPr>
-          </a:p>
-          <a:p>
-            <a:pPr marL="67945" marR="407035" lvl="0" indent="0" algn="l" rtl="0">
-              <a:lnSpc>
-                <a:spcPct val="85000"/>
-              </a:lnSpc>
-              <a:spcBef>
-                <a:spcPts val="30"/>
-              </a:spcBef>
-              <a:spcAft>
-                <a:spcPts val="0"/>
-              </a:spcAft>
-              <a:buClr>
-                <a:srgbClr val="000000"/>
-              </a:buClr>
-              <a:buSzPts val="1200"/>
-              <a:buFont typeface="Arial"/>
-              <a:buNone/>
-            </a:pPr>
-            <a:r>
-              <a:rPr lang="pt-BR" sz="900" b="0" i="0" u="none" strike="noStrike" cap="none" dirty="0">
-                <a:solidFill>
-                  <a:srgbClr val="7F7F7F"/>
-                </a:solidFill>
-                <a:latin typeface="Arial"/>
-                <a:ea typeface="Arial"/>
-                <a:cs typeface="Arial"/>
-                <a:sym typeface="Arial"/>
-              </a:rPr>
-              <a:t>https://github.com/IgorPV/projeto-integrador-generation.git</a:t>
-            </a:r>
-          </a:p>
-          <a:p>
-            <a:pPr marL="67945" marR="407035" lvl="0" indent="0" algn="l" rtl="0">
-              <a:lnSpc>
-                <a:spcPct val="85000"/>
-              </a:lnSpc>
-              <a:spcBef>
-                <a:spcPts val="30"/>
-              </a:spcBef>
-              <a:spcAft>
-                <a:spcPts val="0"/>
-              </a:spcAft>
-              <a:buClr>
-                <a:srgbClr val="000000"/>
-              </a:buClr>
-              <a:buSzPts val="1200"/>
-              <a:buFont typeface="Arial"/>
-              <a:buNone/>
-            </a:pPr>
-            <a:endParaRPr sz="900" b="0" i="0" u="none" strike="noStrike" cap="none" dirty="0">
+            <a:endParaRPr lang="pt-BR" sz="900" b="0" i="0" u="none" strike="noStrike" cap="none" dirty="0">
               <a:solidFill>
                 <a:srgbClr val="7F7F7F"/>
               </a:solidFill>
@@ -16722,14 +16457,19 @@
               <a:buNone/>
             </a:pPr>
             <a:r>
-              <a:rPr lang="pt-BR" sz="1100" dirty="0">
+              <a:rPr lang="pt-BR" sz="800" b="0" i="0" u="none" strike="noStrike" cap="none" dirty="0">
                 <a:solidFill>
                   <a:srgbClr val="7F7F7F"/>
                 </a:solidFill>
+                <a:latin typeface="Arial"/>
+                <a:ea typeface="Arial"/>
+                <a:cs typeface="Arial"/>
+                <a:sym typeface="Arial"/>
+                <a:hlinkClick r:id="rId16"/>
               </a:rPr>
-              <a:t>EducaTI é uma rede social para desenvolvedores, onde podemos realizar post, criar fóruns, ensinar e aprender. </a:t>
+              <a:t>https://github.com/IgorPV/projeto-integrador-generation.git</a:t>
             </a:r>
-            <a:endParaRPr sz="1100" b="0" i="0" u="none" strike="noStrike" cap="none" dirty="0">
+            <a:endParaRPr lang="pt-BR" sz="800" b="0" i="0" u="none" strike="noStrike" cap="none" dirty="0">
               <a:solidFill>
                 <a:srgbClr val="7F7F7F"/>
               </a:solidFill>
@@ -16740,24 +16480,56 @@
             </a:endParaRPr>
           </a:p>
           <a:p>
-            <a:pPr marL="215900" marR="0" lvl="0" indent="0" algn="l" rtl="0">
-              <a:lnSpc>
-                <a:spcPct val="100000"/>
-              </a:lnSpc>
-              <a:spcBef>
-                <a:spcPts val="245"/>
-              </a:spcBef>
-              <a:spcAft>
-                <a:spcPts val="0"/>
-              </a:spcAft>
-              <a:buClr>
-                <a:srgbClr val="000000"/>
-              </a:buClr>
-              <a:buSzPts val="1800"/>
+            <a:pPr marL="67945" marR="407035" lvl="0" indent="0" algn="l" rtl="0">
+              <a:lnSpc>
+                <a:spcPct val="85000"/>
+              </a:lnSpc>
+              <a:spcBef>
+                <a:spcPts val="30"/>
+              </a:spcBef>
+              <a:spcAft>
+                <a:spcPts val="0"/>
+              </a:spcAft>
+              <a:buClr>
+                <a:srgbClr val="000000"/>
+              </a:buClr>
+              <a:buSzPts val="1200"/>
               <a:buFont typeface="Arial"/>
               <a:buNone/>
             </a:pPr>
-            <a:endParaRPr sz="1800" b="1" i="0" u="none" strike="noStrike" cap="none" dirty="0">
+            <a:endParaRPr lang="pt-BR" sz="400" dirty="0">
+              <a:solidFill>
+                <a:srgbClr val="7F7F7F"/>
+              </a:solidFill>
+            </a:endParaRPr>
+          </a:p>
+          <a:p>
+            <a:pPr marL="67945" marR="407035" lvl="0" indent="0" algn="just" rtl="0">
+              <a:lnSpc>
+                <a:spcPct val="85000"/>
+              </a:lnSpc>
+              <a:spcBef>
+                <a:spcPts val="30"/>
+              </a:spcBef>
+              <a:spcAft>
+                <a:spcPts val="0"/>
+              </a:spcAft>
+              <a:buClr>
+                <a:srgbClr val="000000"/>
+              </a:buClr>
+              <a:buSzPts val="1200"/>
+              <a:buFont typeface="Arial"/>
+              <a:buNone/>
+            </a:pPr>
+            <a:r>
+              <a:rPr lang="pt-PT" sz="1050" dirty="0">
+                <a:solidFill>
+                  <a:srgbClr val="7F7F7F"/>
+                </a:solidFill>
+              </a:rPr>
+              <a:t>EducaTI é uma rede social para desenvolvedores criada para fomentar a interação, o aprendizado e a troca entre os participantes. </a:t>
+            </a:r>
+            <a:endParaRPr sz="1050" b="1" i="0" u="none" strike="noStrike" cap="none" dirty="0">
               <a:solidFill>
                 <a:schemeClr val="dk1"/>
               </a:solidFill>
@@ -16777,7 +16549,7 @@
         </p:nvSpPr>
         <p:spPr>
           <a:xfrm>
-            <a:off x="4234509" y="8481128"/>
+            <a:off x="4234509" y="8716268"/>
             <a:ext cx="952505" cy="307777"/>
           </a:xfrm>
           <a:prstGeom prst="rect">
@@ -16843,7 +16615,7 @@
         </p:nvSpPr>
         <p:spPr>
           <a:xfrm>
-            <a:off x="3684374" y="8843000"/>
+            <a:off x="3684374" y="9078140"/>
             <a:ext cx="1221900" cy="1031011"/>
           </a:xfrm>
           <a:prstGeom prst="rect">
@@ -17017,7 +16789,7 @@
         </p:nvSpPr>
         <p:spPr>
           <a:xfrm>
-            <a:off x="5068024" y="8866750"/>
+            <a:off x="5068024" y="9101890"/>
             <a:ext cx="1467900" cy="1031011"/>
           </a:xfrm>
           <a:prstGeom prst="rect">
@@ -17191,7 +16963,7 @@
         </p:nvSpPr>
         <p:spPr>
           <a:xfrm rot="10800000" flipH="1">
-            <a:off x="249604" y="6232502"/>
+            <a:off x="267022" y="6349977"/>
             <a:ext cx="3419113" cy="45719"/>
           </a:xfrm>
           <a:prstGeom prst="rect">
@@ -17307,7 +17079,7 @@
         </p:nvSpPr>
         <p:spPr>
           <a:xfrm rot="10800000" flipH="1">
-            <a:off x="3691579" y="6620061"/>
+            <a:off x="3726415" y="6236870"/>
             <a:ext cx="2964922" cy="45719"/>
           </a:xfrm>
           <a:prstGeom prst="rect">
@@ -17365,7 +17137,7 @@
         </p:nvSpPr>
         <p:spPr>
           <a:xfrm rot="10800000" flipH="1">
-            <a:off x="3677471" y="8319420"/>
+            <a:off x="3729725" y="8580690"/>
             <a:ext cx="2964922" cy="45719"/>
           </a:xfrm>
           <a:prstGeom prst="rect">
@@ -17423,7 +17195,7 @@
         </p:nvSpPr>
         <p:spPr>
           <a:xfrm rot="10800000" flipH="1">
-            <a:off x="3691589" y="4167894"/>
+            <a:off x="3691589" y="3924045"/>
             <a:ext cx="2964900" cy="45600"/>
           </a:xfrm>
           <a:prstGeom prst="rect">
@@ -17481,7 +17253,7 @@
         </p:nvSpPr>
         <p:spPr>
           <a:xfrm rot="10800000" flipH="1">
-            <a:off x="260616" y="3638716"/>
+            <a:off x="260616" y="4159416"/>
             <a:ext cx="3419100" cy="45600"/>
           </a:xfrm>
           <a:prstGeom prst="rect">
@@ -17533,34 +17305,223 @@
       </p:sp>
       <p:pic>
         <p:nvPicPr>
-          <p:cNvPr id="3" name="Imagem 2">
+          <p:cNvPr id="50" name="Imagem 49">
             <a:extLst>
               <a:ext uri="{FF2B5EF4-FFF2-40B4-BE49-F238E27FC236}">
-                <a16:creationId xmlns:a16="http://schemas.microsoft.com/office/drawing/2014/main" id="{7CE1DF4D-5FB7-4807-B6E6-E518626BFD44}"/>
+                <a16:creationId xmlns:a16="http://schemas.microsoft.com/office/drawing/2014/main" id="{83E986E7-5802-4C54-8831-203B1436D7C4}"/>
               </a:ext>
             </a:extLst>
           </p:cNvPr>
-          <p:cNvPicPr>
-            <a:picLocks noChangeAspect="1"/>
-          </p:cNvPicPr>
+          <p:cNvPicPr/>
           <p:nvPr/>
         </p:nvPicPr>
         <p:blipFill>
-          <a:blip r:embed="rId16"/>
+          <a:blip r:embed="rId17" cstate="print">
+            <a:extLst>
+              <a:ext uri="{28A0092B-C50C-407E-A947-70E740481C1C}">
+                <a14:useLocalDpi xmlns:a14="http://schemas.microsoft.com/office/drawing/2010/main" val="0"/>
+              </a:ext>
+            </a:extLst>
+          </a:blip>
+          <a:srcRect/>
           <a:stretch>
             <a:fillRect/>
           </a:stretch>
         </p:blipFill>
-        <p:spPr>
+        <p:spPr bwMode="auto">
           <a:xfrm>
-            <a:off x="426607" y="257036"/>
-            <a:ext cx="1418508" cy="1573731"/>
+            <a:off x="500152" y="227350"/>
+            <a:ext cx="1228725" cy="1619885"/>
           </a:xfrm>
           <a:prstGeom prst="rect">
             <a:avLst/>
           </a:prstGeom>
+          <a:noFill/>
+          <a:ln>
+            <a:noFill/>
+          </a:ln>
         </p:spPr>
       </p:pic>
+      <p:sp>
+        <p:nvSpPr>
+          <p:cNvPr id="51" name="Google Shape;121;p12">
+            <a:extLst>
+              <a:ext uri="{FF2B5EF4-FFF2-40B4-BE49-F238E27FC236}">
+                <a16:creationId xmlns:a16="http://schemas.microsoft.com/office/drawing/2014/main" id="{93921767-4261-4422-ACE7-69AA4466F159}"/>
+              </a:ext>
+            </a:extLst>
+          </p:cNvPr>
+          <p:cNvSpPr/>
+          <p:nvPr/>
+        </p:nvSpPr>
+        <p:spPr>
+          <a:xfrm>
+            <a:off x="3710501" y="7659726"/>
+            <a:ext cx="3335754" cy="919102"/>
+          </a:xfrm>
+          <a:prstGeom prst="rect">
+            <a:avLst/>
+          </a:prstGeom>
+          <a:noFill/>
+          <a:ln>
+            <a:noFill/>
+          </a:ln>
+        </p:spPr>
+        <p:txBody>
+          <a:bodyPr spcFirstLastPara="1" wrap="square" lIns="91425" tIns="45700" rIns="91425" bIns="45700" anchor="t" anchorCtr="0">
+            <a:noAutofit/>
+          </a:bodyPr>
+          <a:lstStyle/>
+          <a:p>
+            <a:pPr marL="67945" marR="407035" lvl="0" indent="0" algn="l" rtl="0">
+              <a:lnSpc>
+                <a:spcPct val="85000"/>
+              </a:lnSpc>
+              <a:spcBef>
+                <a:spcPts val="30"/>
+              </a:spcBef>
+              <a:spcAft>
+                <a:spcPts val="0"/>
+              </a:spcAft>
+              <a:buClr>
+                <a:srgbClr val="000000"/>
+              </a:buClr>
+              <a:buSzPts val="1200"/>
+              <a:buFont typeface="Arial"/>
+              <a:buNone/>
+            </a:pPr>
+            <a:r>
+              <a:rPr lang="pt-BR" sz="1050" b="0" i="0" u="none" strike="noStrike" cap="none" dirty="0">
+                <a:solidFill>
+                  <a:schemeClr val="dk1"/>
+                </a:solidFill>
+                <a:latin typeface="Arial"/>
+                <a:ea typeface="Arial"/>
+                <a:cs typeface="Arial"/>
+                <a:sym typeface="Arial"/>
+              </a:rPr>
+              <a:t>Blog Pessoal</a:t>
+            </a:r>
+            <a:endParaRPr lang="pt-BR" sz="900" b="0" i="0" u="none" strike="noStrike" cap="none" dirty="0">
+              <a:solidFill>
+                <a:srgbClr val="7F7F7F"/>
+              </a:solidFill>
+              <a:latin typeface="Arial"/>
+              <a:ea typeface="Arial"/>
+              <a:cs typeface="Arial"/>
+              <a:sym typeface="Arial"/>
+            </a:endParaRPr>
+          </a:p>
+          <a:p>
+            <a:pPr marL="67945" marR="407035" lvl="0" indent="0" algn="l" rtl="0">
+              <a:lnSpc>
+                <a:spcPct val="85000"/>
+              </a:lnSpc>
+              <a:spcBef>
+                <a:spcPts val="30"/>
+              </a:spcBef>
+              <a:spcAft>
+                <a:spcPts val="0"/>
+              </a:spcAft>
+              <a:buClr>
+                <a:srgbClr val="000000"/>
+              </a:buClr>
+              <a:buSzPts val="1200"/>
+              <a:buFont typeface="Arial"/>
+              <a:buNone/>
+            </a:pPr>
+            <a:r>
+              <a:rPr lang="pt-BR" sz="800" b="0" i="0" u="none" strike="noStrike" cap="none" dirty="0">
+                <a:solidFill>
+                  <a:srgbClr val="7F7F7F"/>
+                </a:solidFill>
+                <a:latin typeface="Arial"/>
+                <a:ea typeface="Arial"/>
+                <a:cs typeface="Arial"/>
+                <a:sym typeface="Arial"/>
+                <a:hlinkClick r:id="rId18"/>
+              </a:rPr>
+              <a:t>https://github.com/ScarletAraujo/Angular.git</a:t>
+            </a:r>
+            <a:endParaRPr lang="pt-BR" sz="800" b="0" i="0" u="none" strike="noStrike" cap="none" dirty="0">
+              <a:solidFill>
+                <a:srgbClr val="7F7F7F"/>
+              </a:solidFill>
+              <a:latin typeface="Arial"/>
+              <a:ea typeface="Arial"/>
+              <a:cs typeface="Arial"/>
+              <a:sym typeface="Arial"/>
+            </a:endParaRPr>
+          </a:p>
+          <a:p>
+            <a:pPr marL="67945" marR="407035" lvl="0" indent="0" algn="l" rtl="0">
+              <a:lnSpc>
+                <a:spcPct val="85000"/>
+              </a:lnSpc>
+              <a:spcBef>
+                <a:spcPts val="30"/>
+              </a:spcBef>
+              <a:spcAft>
+                <a:spcPts val="0"/>
+              </a:spcAft>
+              <a:buClr>
+                <a:srgbClr val="000000"/>
+              </a:buClr>
+              <a:buSzPts val="1200"/>
+              <a:buFont typeface="Arial"/>
+              <a:buNone/>
+            </a:pPr>
+            <a:endParaRPr lang="pt-PT" sz="400" dirty="0">
+              <a:solidFill>
+                <a:srgbClr val="7F7F7F"/>
+              </a:solidFill>
+            </a:endParaRPr>
+          </a:p>
+          <a:p>
+            <a:pPr marL="67945" marR="407035" lvl="0" indent="0" algn="just" rtl="0">
+              <a:lnSpc>
+                <a:spcPct val="85000"/>
+              </a:lnSpc>
+              <a:spcBef>
+                <a:spcPts val="30"/>
+              </a:spcBef>
+              <a:spcAft>
+                <a:spcPts val="0"/>
+              </a:spcAft>
+              <a:buClr>
+                <a:srgbClr val="000000"/>
+              </a:buClr>
+              <a:buSzPts val="1200"/>
+              <a:buFont typeface="Arial"/>
+              <a:buNone/>
+            </a:pPr>
+            <a:r>
+              <a:rPr lang="pt-PT" sz="1050" dirty="0">
+                <a:solidFill>
+                  <a:srgbClr val="7F7F7F"/>
+                </a:solidFill>
+              </a:rPr>
+              <a:t>Meu blog pessoal , com as linguagens de programação, ferramentas e </a:t>
+            </a:r>
+            <a:r>
+              <a:rPr lang="pt-PT" sz="1050" dirty="0" err="1">
+                <a:solidFill>
+                  <a:srgbClr val="7F7F7F"/>
+                </a:solidFill>
+              </a:rPr>
+              <a:t>frameworks</a:t>
+            </a:r>
+            <a:r>
+              <a:rPr lang="pt-PT" sz="1050" dirty="0">
+                <a:solidFill>
+                  <a:srgbClr val="7F7F7F"/>
+                </a:solidFill>
+              </a:rPr>
+              <a:t> desenvolvidas ao decorrer do Bootcamp.</a:t>
+            </a:r>
+          </a:p>
+        </p:txBody>
+      </p:sp>
     </p:spTree>
   </p:cSld>
   <p:clrMapOvr>
